--- a/2025/20250701-PhysicalMathematicsIntro.pptx
+++ b/2025/20250701-PhysicalMathematicsIntro.pptx
@@ -5,7 +5,7 @@
     <p:sldMasterId id="2147483648" r:id="rId1"/>
   </p:sldMasterIdLst>
   <p:notesMasterIdLst>
-    <p:notesMasterId r:id="rId42"/>
+    <p:notesMasterId r:id="rId43"/>
   </p:notesMasterIdLst>
   <p:sldIdLst>
     <p:sldId id="1286" r:id="rId2"/>
@@ -20,34 +20,35 @@
     <p:sldId id="1328" r:id="rId11"/>
     <p:sldId id="1329" r:id="rId12"/>
     <p:sldId id="1330" r:id="rId13"/>
-    <p:sldId id="1323" r:id="rId14"/>
-    <p:sldId id="1256" r:id="rId15"/>
-    <p:sldId id="1254" r:id="rId16"/>
-    <p:sldId id="1331" r:id="rId17"/>
-    <p:sldId id="1255" r:id="rId18"/>
-    <p:sldId id="1239" r:id="rId19"/>
-    <p:sldId id="1240" r:id="rId20"/>
-    <p:sldId id="1310" r:id="rId21"/>
-    <p:sldId id="1110" r:id="rId22"/>
-    <p:sldId id="1274" r:id="rId23"/>
-    <p:sldId id="1275" r:id="rId24"/>
-    <p:sldId id="1301" r:id="rId25"/>
-    <p:sldId id="1302" r:id="rId26"/>
-    <p:sldId id="1312" r:id="rId27"/>
-    <p:sldId id="1287" r:id="rId28"/>
-    <p:sldId id="1288" r:id="rId29"/>
-    <p:sldId id="1276" r:id="rId30"/>
-    <p:sldId id="979" r:id="rId31"/>
-    <p:sldId id="1320" r:id="rId32"/>
-    <p:sldId id="1332" r:id="rId33"/>
-    <p:sldId id="1319" r:id="rId34"/>
-    <p:sldId id="1304" r:id="rId35"/>
-    <p:sldId id="742" r:id="rId36"/>
-    <p:sldId id="1305" r:id="rId37"/>
-    <p:sldId id="1306" r:id="rId38"/>
-    <p:sldId id="1307" r:id="rId39"/>
-    <p:sldId id="1298" r:id="rId40"/>
-    <p:sldId id="1289" r:id="rId41"/>
+    <p:sldId id="1333" r:id="rId14"/>
+    <p:sldId id="1323" r:id="rId15"/>
+    <p:sldId id="1256" r:id="rId16"/>
+    <p:sldId id="1254" r:id="rId17"/>
+    <p:sldId id="1331" r:id="rId18"/>
+    <p:sldId id="1255" r:id="rId19"/>
+    <p:sldId id="1239" r:id="rId20"/>
+    <p:sldId id="1240" r:id="rId21"/>
+    <p:sldId id="1310" r:id="rId22"/>
+    <p:sldId id="1110" r:id="rId23"/>
+    <p:sldId id="1274" r:id="rId24"/>
+    <p:sldId id="1275" r:id="rId25"/>
+    <p:sldId id="1301" r:id="rId26"/>
+    <p:sldId id="1302" r:id="rId27"/>
+    <p:sldId id="1312" r:id="rId28"/>
+    <p:sldId id="1287" r:id="rId29"/>
+    <p:sldId id="1288" r:id="rId30"/>
+    <p:sldId id="1276" r:id="rId31"/>
+    <p:sldId id="979" r:id="rId32"/>
+    <p:sldId id="1320" r:id="rId33"/>
+    <p:sldId id="1332" r:id="rId34"/>
+    <p:sldId id="1319" r:id="rId35"/>
+    <p:sldId id="1304" r:id="rId36"/>
+    <p:sldId id="742" r:id="rId37"/>
+    <p:sldId id="1305" r:id="rId38"/>
+    <p:sldId id="1306" r:id="rId39"/>
+    <p:sldId id="1307" r:id="rId40"/>
+    <p:sldId id="1298" r:id="rId41"/>
+    <p:sldId id="1289" r:id="rId42"/>
   </p:sldIdLst>
   <p:sldSz cx="12192000" cy="6858000"/>
   <p:notesSz cx="6858000" cy="9144000"/>
@@ -1398,7 +1399,7 @@
           <a:p>
             <a:fld id="{E119C704-B8F9-449B-B828-36D786A1FE73}" type="datetimeFigureOut">
               <a:rPr lang="en-US" smtClean="0"/>
-              <a:t>7/22/2025</a:t>
+              <a:t>7/25/2025</a:t>
             </a:fld>
             <a:endParaRPr lang="en-US"/>
           </a:p>
@@ -1817,7 +1818,7 @@
           <a:p>
             <a:fld id="{A154F452-85BD-4268-B680-C313DBFDCEB3}" type="slidenum">
               <a:rPr lang="en-US" smtClean="0"/>
-              <a:t>35</a:t>
+              <a:t>36</a:t>
             </a:fld>
             <a:endParaRPr lang="en-US"/>
           </a:p>
@@ -1983,7 +1984,7 @@
           <a:p>
             <a:fld id="{1740FAEC-CC92-4341-8F7C-5B5BB7B3917E}" type="datetime1">
               <a:rPr lang="en-US" smtClean="0"/>
-              <a:t>7/22/2025</a:t>
+              <a:t>7/25/2025</a:t>
             </a:fld>
             <a:endParaRPr lang="en-US"/>
           </a:p>
@@ -2487,7 +2488,7 @@
           <a:p>
             <a:fld id="{5EA286C8-963F-4DF4-805E-53BC9036BD62}" type="datetime1">
               <a:rPr lang="en-US" smtClean="0"/>
-              <a:t>7/22/2025</a:t>
+              <a:t>7/25/2025</a:t>
             </a:fld>
             <a:endParaRPr lang="en-US"/>
           </a:p>
@@ -2698,7 +2699,7 @@
           <a:p>
             <a:fld id="{ED0C90DE-6C0F-4C0D-A256-BCCE504546C9}" type="datetime1">
               <a:rPr lang="en-US" smtClean="0"/>
-              <a:t>7/22/2025</a:t>
+              <a:t>7/25/2025</a:t>
             </a:fld>
             <a:endParaRPr lang="en-US"/>
           </a:p>
@@ -2927,7 +2928,7 @@
           <a:p>
             <a:fld id="{E3E0FB70-2D34-470A-9AB2-0E2D750C8B6C}" type="datetime1">
               <a:rPr lang="en-US" smtClean="0"/>
-              <a:t>7/22/2025</a:t>
+              <a:t>7/25/2025</a:t>
             </a:fld>
             <a:endParaRPr lang="en-US" dirty="0"/>
           </a:p>
@@ -3177,7 +3178,7 @@
           <a:p>
             <a:fld id="{F5B5301C-02B9-4FB7-B22F-B21243C96DEB}" type="datetime1">
               <a:rPr lang="en-US" smtClean="0"/>
-              <a:t>7/22/2025</a:t>
+              <a:t>7/25/2025</a:t>
             </a:fld>
             <a:endParaRPr lang="en-US"/>
           </a:p>
@@ -3445,7 +3446,7 @@
           <a:p>
             <a:fld id="{6DEA09C7-4817-4F51-A149-AED4FA440C12}" type="datetime1">
               <a:rPr lang="en-US" smtClean="0"/>
-              <a:t>7/22/2025</a:t>
+              <a:t>7/25/2025</a:t>
             </a:fld>
             <a:endParaRPr lang="en-US"/>
           </a:p>
@@ -3860,7 +3861,7 @@
           <a:p>
             <a:fld id="{637A43BA-11B8-42FC-BA9D-4D731ADEF8B4}" type="datetime1">
               <a:rPr lang="en-US" smtClean="0"/>
-              <a:t>7/22/2025</a:t>
+              <a:t>7/25/2025</a:t>
             </a:fld>
             <a:endParaRPr lang="en-US"/>
           </a:p>
@@ -4004,7 +4005,7 @@
           <a:p>
             <a:fld id="{55BA18F9-0A95-43EF-840E-C1E6AF74AF6E}" type="datetime1">
               <a:rPr lang="en-US" smtClean="0"/>
-              <a:t>7/22/2025</a:t>
+              <a:t>7/25/2025</a:t>
             </a:fld>
             <a:endParaRPr lang="en-US"/>
           </a:p>
@@ -4120,7 +4121,7 @@
           <a:p>
             <a:fld id="{D82A0455-8362-4C9A-8413-EF7EC9C17128}" type="datetime1">
               <a:rPr lang="en-US" smtClean="0"/>
-              <a:t>7/22/2025</a:t>
+              <a:t>7/25/2025</a:t>
             </a:fld>
             <a:endParaRPr lang="en-US" dirty="0"/>
           </a:p>
@@ -4435,7 +4436,7 @@
           <a:p>
             <a:fld id="{2FDC09D0-4ABC-4183-89B2-CC22AA5DE37E}" type="datetime1">
               <a:rPr lang="en-US" smtClean="0"/>
-              <a:t>7/22/2025</a:t>
+              <a:t>7/25/2025</a:t>
             </a:fld>
             <a:endParaRPr lang="en-US"/>
           </a:p>
@@ -4726,7 +4727,7 @@
           <a:p>
             <a:fld id="{F627978C-B598-428D-BE87-0581D668E7C5}" type="datetime1">
               <a:rPr lang="en-US" smtClean="0"/>
-              <a:t>7/22/2025</a:t>
+              <a:t>7/25/2025</a:t>
             </a:fld>
             <a:endParaRPr lang="en-US"/>
           </a:p>
@@ -4970,7 +4971,7 @@
           <a:p>
             <a:fld id="{BC6E0C5D-E148-451E-B9B0-7CDE301F0FFD}" type="datetime1">
               <a:rPr lang="en-US" smtClean="0"/>
-              <a:t>7/22/2025</a:t>
+              <a:t>7/25/2025</a:t>
             </a:fld>
             <a:endParaRPr lang="en-US" dirty="0"/>
           </a:p>
@@ -11036,6 +11037,159 @@
   <p:cSld>
     <p:spTree>
       <p:nvGrpSpPr>
+        <p:cNvPr id="1" name=""/>
+        <p:cNvGrpSpPr/>
+        <p:nvPr/>
+      </p:nvGrpSpPr>
+      <p:grpSpPr>
+        <a:xfrm>
+          <a:off x="0" y="0"/>
+          <a:ext cx="0" cy="0"/>
+          <a:chOff x="0" y="0"/>
+          <a:chExt cx="0" cy="0"/>
+        </a:xfrm>
+      </p:grpSpPr>
+      <p:pic>
+        <p:nvPicPr>
+          <p:cNvPr id="3" name="Picture 2">
+            <a:extLst>
+              <a:ext uri="{FF2B5EF4-FFF2-40B4-BE49-F238E27FC236}">
+                <a16:creationId xmlns:a16="http://schemas.microsoft.com/office/drawing/2014/main" id="{ADEF07B8-29FF-91F0-8054-224112E0F4C6}"/>
+              </a:ext>
+            </a:extLst>
+          </p:cNvPr>
+          <p:cNvPicPr>
+            <a:picLocks noChangeAspect="1"/>
+          </p:cNvPicPr>
+          <p:nvPr/>
+        </p:nvPicPr>
+        <p:blipFill>
+          <a:blip r:embed="rId2"/>
+          <a:stretch>
+            <a:fillRect/>
+          </a:stretch>
+        </p:blipFill>
+        <p:spPr>
+          <a:xfrm>
+            <a:off x="391885" y="672100"/>
+            <a:ext cx="11240215" cy="1246933"/>
+          </a:xfrm>
+          <a:prstGeom prst="rect">
+            <a:avLst/>
+          </a:prstGeom>
+        </p:spPr>
+      </p:pic>
+      <p:pic>
+        <p:nvPicPr>
+          <p:cNvPr id="5" name="Picture 4">
+            <a:extLst>
+              <a:ext uri="{FF2B5EF4-FFF2-40B4-BE49-F238E27FC236}">
+                <a16:creationId xmlns:a16="http://schemas.microsoft.com/office/drawing/2014/main" id="{E3D69680-439C-AD8E-ACC2-FBA259AB4BF0}"/>
+              </a:ext>
+            </a:extLst>
+          </p:cNvPr>
+          <p:cNvPicPr>
+            <a:picLocks noChangeAspect="1"/>
+          </p:cNvPicPr>
+          <p:nvPr/>
+        </p:nvPicPr>
+        <p:blipFill>
+          <a:blip r:embed="rId3"/>
+          <a:srcRect l="1859" t="877" r="1650" b="916"/>
+          <a:stretch>
+            <a:fillRect/>
+          </a:stretch>
+        </p:blipFill>
+        <p:spPr>
+          <a:xfrm>
+            <a:off x="441325" y="2295524"/>
+            <a:ext cx="2565400" cy="3854451"/>
+          </a:xfrm>
+          <a:prstGeom prst="rect">
+            <a:avLst/>
+          </a:prstGeom>
+        </p:spPr>
+      </p:pic>
+      <p:pic>
+        <p:nvPicPr>
+          <p:cNvPr id="9" name="Picture 8">
+            <a:extLst>
+              <a:ext uri="{FF2B5EF4-FFF2-40B4-BE49-F238E27FC236}">
+                <a16:creationId xmlns:a16="http://schemas.microsoft.com/office/drawing/2014/main" id="{BC7DD28E-29BE-B0A0-C84E-3C62C938118E}"/>
+              </a:ext>
+            </a:extLst>
+          </p:cNvPr>
+          <p:cNvPicPr>
+            <a:picLocks noChangeAspect="1"/>
+          </p:cNvPicPr>
+          <p:nvPr/>
+        </p:nvPicPr>
+        <p:blipFill>
+          <a:blip r:embed="rId4"/>
+          <a:srcRect b="76352"/>
+          <a:stretch>
+            <a:fillRect/>
+          </a:stretch>
+        </p:blipFill>
+        <p:spPr>
+          <a:xfrm>
+            <a:off x="3425757" y="2295524"/>
+            <a:ext cx="5696745" cy="1108364"/>
+          </a:xfrm>
+          <a:prstGeom prst="rect">
+            <a:avLst/>
+          </a:prstGeom>
+        </p:spPr>
+      </p:pic>
+      <p:pic>
+        <p:nvPicPr>
+          <p:cNvPr id="10" name="Picture 9">
+            <a:extLst>
+              <a:ext uri="{FF2B5EF4-FFF2-40B4-BE49-F238E27FC236}">
+                <a16:creationId xmlns:a16="http://schemas.microsoft.com/office/drawing/2014/main" id="{874A6D0C-5040-7707-0D32-39CCF3112020}"/>
+              </a:ext>
+            </a:extLst>
+          </p:cNvPr>
+          <p:cNvPicPr>
+            <a:picLocks noChangeAspect="1"/>
+          </p:cNvPicPr>
+          <p:nvPr/>
+        </p:nvPicPr>
+        <p:blipFill>
+          <a:blip r:embed="rId4"/>
+          <a:srcRect t="76352"/>
+          <a:stretch>
+            <a:fillRect/>
+          </a:stretch>
+        </p:blipFill>
+        <p:spPr>
+          <a:xfrm>
+            <a:off x="3425756" y="3668567"/>
+            <a:ext cx="5696745" cy="1108364"/>
+          </a:xfrm>
+          <a:prstGeom prst="rect">
+            <a:avLst/>
+          </a:prstGeom>
+        </p:spPr>
+      </p:pic>
+    </p:spTree>
+    <p:extLst>
+      <p:ext uri="{BB962C8B-B14F-4D97-AF65-F5344CB8AC3E}">
+        <p14:creationId xmlns:p14="http://schemas.microsoft.com/office/powerpoint/2010/main" val="3053031214"/>
+      </p:ext>
+    </p:extLst>
+  </p:cSld>
+  <p:clrMapOvr>
+    <a:masterClrMapping/>
+  </p:clrMapOvr>
+</p:sld>
+</file>
+
+<file path=ppt/slides/slide14.xml><?xml version="1.0" encoding="utf-8"?>
+<p:sld xmlns:a="http://schemas.openxmlformats.org/drawingml/2006/main" xmlns:r="http://schemas.openxmlformats.org/officeDocument/2006/relationships" xmlns:p="http://schemas.openxmlformats.org/presentationml/2006/main">
+  <p:cSld>
+    <p:spTree>
+      <p:nvGrpSpPr>
         <p:cNvPr id="1" name="">
           <a:extLst>
             <a:ext uri="{FF2B5EF4-FFF2-40B4-BE49-F238E27FC236}">
@@ -11215,7 +11369,7 @@
 </p:sld>
 </file>
 
-<file path=ppt/slides/slide14.xml><?xml version="1.0" encoding="utf-8"?>
+<file path=ppt/slides/slide15.xml><?xml version="1.0" encoding="utf-8"?>
 <p:sld xmlns:a="http://schemas.openxmlformats.org/drawingml/2006/main" xmlns:r="http://schemas.openxmlformats.org/officeDocument/2006/relationships" xmlns:p="http://schemas.openxmlformats.org/presentationml/2006/main">
   <p:cSld>
     <p:spTree>
@@ -11315,7 +11469,7 @@
 </p:sld>
 </file>
 
-<file path=ppt/slides/slide15.xml><?xml version="1.0" encoding="utf-8"?>
+<file path=ppt/slides/slide16.xml><?xml version="1.0" encoding="utf-8"?>
 <p:sld xmlns:a="http://schemas.openxmlformats.org/drawingml/2006/main" xmlns:r="http://schemas.openxmlformats.org/officeDocument/2006/relationships" xmlns:p="http://schemas.openxmlformats.org/presentationml/2006/main">
   <p:cSld>
     <p:spTree>
@@ -11873,7 +12027,7 @@
 </p:sld>
 </file>
 
-<file path=ppt/slides/slide16.xml><?xml version="1.0" encoding="utf-8"?>
+<file path=ppt/slides/slide17.xml><?xml version="1.0" encoding="utf-8"?>
 <p:sld xmlns:a="http://schemas.openxmlformats.org/drawingml/2006/main" xmlns:r="http://schemas.openxmlformats.org/officeDocument/2006/relationships" xmlns:p="http://schemas.openxmlformats.org/presentationml/2006/main">
   <p:cSld>
     <p:spTree>
@@ -13898,7 +14052,7 @@
 </p:sld>
 </file>
 
-<file path=ppt/slides/slide17.xml><?xml version="1.0" encoding="utf-8"?>
+<file path=ppt/slides/slide18.xml><?xml version="1.0" encoding="utf-8"?>
 <p:sld xmlns:a="http://schemas.openxmlformats.org/drawingml/2006/main" xmlns:r="http://schemas.openxmlformats.org/officeDocument/2006/relationships" xmlns:p="http://schemas.openxmlformats.org/presentationml/2006/main">
   <p:cSld>
     <p:spTree>
@@ -16914,7 +17068,7 @@
 </p:sld>
 </file>
 
-<file path=ppt/slides/slide18.xml><?xml version="1.0" encoding="utf-8"?>
+<file path=ppt/slides/slide19.xml><?xml version="1.0" encoding="utf-8"?>
 <p:sld xmlns:a="http://schemas.openxmlformats.org/drawingml/2006/main" xmlns:r="http://schemas.openxmlformats.org/officeDocument/2006/relationships" xmlns:p="http://schemas.openxmlformats.org/presentationml/2006/main">
   <p:cSld>
     <p:spTree>
@@ -19663,7 +19817,137 @@
 </p:sld>
 </file>
 
-<file path=ppt/slides/slide19.xml><?xml version="1.0" encoding="utf-8"?>
+<file path=ppt/slides/slide2.xml><?xml version="1.0" encoding="utf-8"?>
+<p:sld xmlns:a="http://schemas.openxmlformats.org/drawingml/2006/main" xmlns:r="http://schemas.openxmlformats.org/officeDocument/2006/relationships" xmlns:p="http://schemas.openxmlformats.org/presentationml/2006/main">
+  <p:cSld>
+    <p:spTree>
+      <p:nvGrpSpPr>
+        <p:cNvPr id="1" name=""/>
+        <p:cNvGrpSpPr/>
+        <p:nvPr/>
+      </p:nvGrpSpPr>
+      <p:grpSpPr>
+        <a:xfrm>
+          <a:off x="0" y="0"/>
+          <a:ext cx="0" cy="0"/>
+          <a:chOff x="0" y="0"/>
+          <a:chExt cx="0" cy="0"/>
+        </a:xfrm>
+      </p:grpSpPr>
+      <p:sp>
+        <p:nvSpPr>
+          <p:cNvPr id="4" name="TextBox 3">
+            <a:extLst>
+              <a:ext uri="{FF2B5EF4-FFF2-40B4-BE49-F238E27FC236}">
+                <a16:creationId xmlns:a16="http://schemas.microsoft.com/office/drawing/2014/main" id="{FC62FBE0-632C-6139-961C-B3DEA507F024}"/>
+              </a:ext>
+            </a:extLst>
+          </p:cNvPr>
+          <p:cNvSpPr txBox="1"/>
+          <p:nvPr/>
+        </p:nvSpPr>
+        <p:spPr>
+          <a:xfrm>
+            <a:off x="0" y="1472334"/>
+            <a:ext cx="12192000" cy="2308324"/>
+          </a:xfrm>
+          <a:prstGeom prst="rect">
+            <a:avLst/>
+          </a:prstGeom>
+          <a:noFill/>
+        </p:spPr>
+        <p:txBody>
+          <a:bodyPr wrap="square" rtlCol="0">
+            <a:spAutoFit/>
+          </a:bodyPr>
+          <a:lstStyle/>
+          <a:p>
+            <a:pPr algn="ctr"/>
+            <a:r>
+              <a:rPr lang="en-US" sz="4800" dirty="0">
+                <a:solidFill>
+                  <a:schemeClr val="accent6">
+                    <a:lumMod val="75000"/>
+                  </a:schemeClr>
+                </a:solidFill>
+              </a:rPr>
+              <a:t>Math is a just tool for calculation,</a:t>
+            </a:r>
+            <a:br>
+              <a:rPr lang="en-US" sz="4800" dirty="0">
+                <a:solidFill>
+                  <a:schemeClr val="accent6">
+                    <a:lumMod val="75000"/>
+                  </a:schemeClr>
+                </a:solidFill>
+              </a:rPr>
+            </a:br>
+            <a:r>
+              <a:rPr lang="en-US" sz="4800" dirty="0">
+                <a:solidFill>
+                  <a:schemeClr val="accent6">
+                    <a:lumMod val="75000"/>
+                  </a:schemeClr>
+                </a:solidFill>
+              </a:rPr>
+              <a:t>whose technical details are better left to mathematicians</a:t>
+            </a:r>
+          </a:p>
+        </p:txBody>
+      </p:sp>
+      <p:sp>
+        <p:nvSpPr>
+          <p:cNvPr id="10" name="TextBox 9">
+            <a:extLst>
+              <a:ext uri="{FF2B5EF4-FFF2-40B4-BE49-F238E27FC236}">
+                <a16:creationId xmlns:a16="http://schemas.microsoft.com/office/drawing/2014/main" id="{014C2214-67E9-9332-D121-A72EDB3661D4}"/>
+              </a:ext>
+            </a:extLst>
+          </p:cNvPr>
+          <p:cNvSpPr txBox="1"/>
+          <p:nvPr/>
+        </p:nvSpPr>
+        <p:spPr>
+          <a:xfrm>
+            <a:off x="485931" y="687686"/>
+            <a:ext cx="5358518" cy="523220"/>
+          </a:xfrm>
+          <a:prstGeom prst="rect">
+            <a:avLst/>
+          </a:prstGeom>
+          <a:noFill/>
+        </p:spPr>
+        <p:txBody>
+          <a:bodyPr wrap="none" rtlCol="0">
+            <a:spAutoFit/>
+          </a:bodyPr>
+          <a:lstStyle/>
+          <a:p>
+            <a:r>
+              <a:rPr lang="en-US" sz="2800" dirty="0">
+                <a:solidFill>
+                  <a:schemeClr val="accent1"/>
+                </a:solidFill>
+              </a:rPr>
+              <a:t>Prevalent attitude among physicists</a:t>
+            </a:r>
+          </a:p>
+        </p:txBody>
+      </p:sp>
+    </p:spTree>
+    <p:extLst>
+      <p:ext uri="{BB962C8B-B14F-4D97-AF65-F5344CB8AC3E}">
+        <p14:creationId xmlns:p14="http://schemas.microsoft.com/office/powerpoint/2010/main" val="2492750172"/>
+      </p:ext>
+    </p:extLst>
+  </p:cSld>
+  <p:clrMapOvr>
+    <a:masterClrMapping/>
+  </p:clrMapOvr>
+</p:sld>
+</file>
+
+<file path=ppt/slides/slide20.xml><?xml version="1.0" encoding="utf-8"?>
 <p:sld xmlns:a="http://schemas.openxmlformats.org/drawingml/2006/main" xmlns:r="http://schemas.openxmlformats.org/officeDocument/2006/relationships" xmlns:p="http://schemas.openxmlformats.org/presentationml/2006/main">
   <p:cSld>
     <p:spTree>
@@ -22285,137 +22569,7 @@
 </p:sld>
 </file>
 
-<file path=ppt/slides/slide2.xml><?xml version="1.0" encoding="utf-8"?>
-<p:sld xmlns:a="http://schemas.openxmlformats.org/drawingml/2006/main" xmlns:r="http://schemas.openxmlformats.org/officeDocument/2006/relationships" xmlns:p="http://schemas.openxmlformats.org/presentationml/2006/main">
-  <p:cSld>
-    <p:spTree>
-      <p:nvGrpSpPr>
-        <p:cNvPr id="1" name=""/>
-        <p:cNvGrpSpPr/>
-        <p:nvPr/>
-      </p:nvGrpSpPr>
-      <p:grpSpPr>
-        <a:xfrm>
-          <a:off x="0" y="0"/>
-          <a:ext cx="0" cy="0"/>
-          <a:chOff x="0" y="0"/>
-          <a:chExt cx="0" cy="0"/>
-        </a:xfrm>
-      </p:grpSpPr>
-      <p:sp>
-        <p:nvSpPr>
-          <p:cNvPr id="4" name="TextBox 3">
-            <a:extLst>
-              <a:ext uri="{FF2B5EF4-FFF2-40B4-BE49-F238E27FC236}">
-                <a16:creationId xmlns:a16="http://schemas.microsoft.com/office/drawing/2014/main" id="{FC62FBE0-632C-6139-961C-B3DEA507F024}"/>
-              </a:ext>
-            </a:extLst>
-          </p:cNvPr>
-          <p:cNvSpPr txBox="1"/>
-          <p:nvPr/>
-        </p:nvSpPr>
-        <p:spPr>
-          <a:xfrm>
-            <a:off x="0" y="1472334"/>
-            <a:ext cx="12192000" cy="2308324"/>
-          </a:xfrm>
-          <a:prstGeom prst="rect">
-            <a:avLst/>
-          </a:prstGeom>
-          <a:noFill/>
-        </p:spPr>
-        <p:txBody>
-          <a:bodyPr wrap="square" rtlCol="0">
-            <a:spAutoFit/>
-          </a:bodyPr>
-          <a:lstStyle/>
-          <a:p>
-            <a:pPr algn="ctr"/>
-            <a:r>
-              <a:rPr lang="en-US" sz="4800" dirty="0">
-                <a:solidFill>
-                  <a:schemeClr val="accent6">
-                    <a:lumMod val="75000"/>
-                  </a:schemeClr>
-                </a:solidFill>
-              </a:rPr>
-              <a:t>Math is a just tool for calculation,</a:t>
-            </a:r>
-            <a:br>
-              <a:rPr lang="en-US" sz="4800" dirty="0">
-                <a:solidFill>
-                  <a:schemeClr val="accent6">
-                    <a:lumMod val="75000"/>
-                  </a:schemeClr>
-                </a:solidFill>
-              </a:rPr>
-            </a:br>
-            <a:r>
-              <a:rPr lang="en-US" sz="4800" dirty="0">
-                <a:solidFill>
-                  <a:schemeClr val="accent6">
-                    <a:lumMod val="75000"/>
-                  </a:schemeClr>
-                </a:solidFill>
-              </a:rPr>
-              <a:t>whose technical details are better left to mathematicians</a:t>
-            </a:r>
-          </a:p>
-        </p:txBody>
-      </p:sp>
-      <p:sp>
-        <p:nvSpPr>
-          <p:cNvPr id="10" name="TextBox 9">
-            <a:extLst>
-              <a:ext uri="{FF2B5EF4-FFF2-40B4-BE49-F238E27FC236}">
-                <a16:creationId xmlns:a16="http://schemas.microsoft.com/office/drawing/2014/main" id="{014C2214-67E9-9332-D121-A72EDB3661D4}"/>
-              </a:ext>
-            </a:extLst>
-          </p:cNvPr>
-          <p:cNvSpPr txBox="1"/>
-          <p:nvPr/>
-        </p:nvSpPr>
-        <p:spPr>
-          <a:xfrm>
-            <a:off x="485931" y="687686"/>
-            <a:ext cx="5358518" cy="523220"/>
-          </a:xfrm>
-          <a:prstGeom prst="rect">
-            <a:avLst/>
-          </a:prstGeom>
-          <a:noFill/>
-        </p:spPr>
-        <p:txBody>
-          <a:bodyPr wrap="none" rtlCol="0">
-            <a:spAutoFit/>
-          </a:bodyPr>
-          <a:lstStyle/>
-          <a:p>
-            <a:r>
-              <a:rPr lang="en-US" sz="2800" dirty="0">
-                <a:solidFill>
-                  <a:schemeClr val="accent1"/>
-                </a:solidFill>
-              </a:rPr>
-              <a:t>Prevalent attitude among physicists</a:t>
-            </a:r>
-          </a:p>
-        </p:txBody>
-      </p:sp>
-    </p:spTree>
-    <p:extLst>
-      <p:ext uri="{BB962C8B-B14F-4D97-AF65-F5344CB8AC3E}">
-        <p14:creationId xmlns:p14="http://schemas.microsoft.com/office/powerpoint/2010/main" val="2492750172"/>
-      </p:ext>
-    </p:extLst>
-  </p:cSld>
-  <p:clrMapOvr>
-    <a:masterClrMapping/>
-  </p:clrMapOvr>
-</p:sld>
-</file>
-
-<file path=ppt/slides/slide20.xml><?xml version="1.0" encoding="utf-8"?>
+<file path=ppt/slides/slide21.xml><?xml version="1.0" encoding="utf-8"?>
 <p:sld xmlns:a="http://schemas.openxmlformats.org/drawingml/2006/main" xmlns:r="http://schemas.openxmlformats.org/officeDocument/2006/relationships" xmlns:p="http://schemas.openxmlformats.org/presentationml/2006/main">
   <p:cSld>
     <p:spTree>
@@ -22584,7 +22738,7 @@
 </p:sld>
 </file>
 
-<file path=ppt/slides/slide21.xml><?xml version="1.0" encoding="utf-8"?>
+<file path=ppt/slides/slide22.xml><?xml version="1.0" encoding="utf-8"?>
 <p:sld xmlns:a="http://schemas.openxmlformats.org/drawingml/2006/main" xmlns:r="http://schemas.openxmlformats.org/officeDocument/2006/relationships" xmlns:p="http://schemas.openxmlformats.org/presentationml/2006/main">
   <p:cSld>
     <p:spTree>
@@ -22750,7 +22904,7 @@
 </p:sld>
 </file>
 
-<file path=ppt/slides/slide22.xml><?xml version="1.0" encoding="utf-8"?>
+<file path=ppt/slides/slide23.xml><?xml version="1.0" encoding="utf-8"?>
 <p:sld xmlns:a="http://schemas.openxmlformats.org/drawingml/2006/main" xmlns:r="http://schemas.openxmlformats.org/officeDocument/2006/relationships" xmlns:p="http://schemas.openxmlformats.org/presentationml/2006/main">
   <p:cSld>
     <p:spTree>
@@ -23083,7 +23237,7 @@
 </p:sld>
 </file>
 
-<file path=ppt/slides/slide23.xml><?xml version="1.0" encoding="utf-8"?>
+<file path=ppt/slides/slide24.xml><?xml version="1.0" encoding="utf-8"?>
 <p:sld xmlns:a="http://schemas.openxmlformats.org/drawingml/2006/main" xmlns:r="http://schemas.openxmlformats.org/officeDocument/2006/relationships" xmlns:p="http://schemas.openxmlformats.org/presentationml/2006/main">
   <p:cSld>
     <p:spTree>
@@ -24944,7 +25098,7 @@
 </p:sld>
 </file>
 
-<file path=ppt/slides/slide24.xml><?xml version="1.0" encoding="utf-8"?>
+<file path=ppt/slides/slide25.xml><?xml version="1.0" encoding="utf-8"?>
 <p:sld xmlns:a="http://schemas.openxmlformats.org/drawingml/2006/main" xmlns:r="http://schemas.openxmlformats.org/officeDocument/2006/relationships" xmlns:p="http://schemas.openxmlformats.org/presentationml/2006/main">
   <p:cSld>
     <p:spTree>
@@ -26841,7 +26995,7 @@
 </p:sld>
 </file>
 
-<file path=ppt/slides/slide25.xml><?xml version="1.0" encoding="utf-8"?>
+<file path=ppt/slides/slide26.xml><?xml version="1.0" encoding="utf-8"?>
 <p:sld xmlns:a="http://schemas.openxmlformats.org/drawingml/2006/main" xmlns:r="http://schemas.openxmlformats.org/officeDocument/2006/relationships" xmlns:p="http://schemas.openxmlformats.org/presentationml/2006/main">
   <p:cSld>
     <p:spTree>
@@ -29069,7 +29223,7 @@
 </p:sld>
 </file>
 
-<file path=ppt/slides/slide26.xml><?xml version="1.0" encoding="utf-8"?>
+<file path=ppt/slides/slide27.xml><?xml version="1.0" encoding="utf-8"?>
 <p:sld xmlns:a="http://schemas.openxmlformats.org/drawingml/2006/main" xmlns:r="http://schemas.openxmlformats.org/officeDocument/2006/relationships" xmlns:p="http://schemas.openxmlformats.org/presentationml/2006/main">
   <p:cSld>
     <p:spTree>
@@ -29864,7 +30018,7 @@
 </p:sld>
 </file>
 
-<file path=ppt/slides/slide27.xml><?xml version="1.0" encoding="utf-8"?>
+<file path=ppt/slides/slide28.xml><?xml version="1.0" encoding="utf-8"?>
 <p:sld xmlns:a="http://schemas.openxmlformats.org/drawingml/2006/main" xmlns:r="http://schemas.openxmlformats.org/officeDocument/2006/relationships" xmlns:p="http://schemas.openxmlformats.org/presentationml/2006/main">
   <p:cSld>
     <p:spTree>
@@ -30481,7 +30635,7 @@
 </p:sld>
 </file>
 
-<file path=ppt/slides/slide28.xml><?xml version="1.0" encoding="utf-8"?>
+<file path=ppt/slides/slide29.xml><?xml version="1.0" encoding="utf-8"?>
 <p:sld xmlns:a="http://schemas.openxmlformats.org/drawingml/2006/main" xmlns:r="http://schemas.openxmlformats.org/officeDocument/2006/relationships" xmlns:p="http://schemas.openxmlformats.org/presentationml/2006/main">
   <p:cSld>
     <p:spTree>
@@ -30665,7 +30819,116 @@
 </p:sld>
 </file>
 
-<file path=ppt/slides/slide29.xml><?xml version="1.0" encoding="utf-8"?>
+<file path=ppt/slides/slide3.xml><?xml version="1.0" encoding="utf-8"?>
+<p:sld xmlns:a="http://schemas.openxmlformats.org/drawingml/2006/main" xmlns:r="http://schemas.openxmlformats.org/officeDocument/2006/relationships" xmlns:p="http://schemas.openxmlformats.org/presentationml/2006/main">
+  <p:cSld>
+    <p:spTree>
+      <p:nvGrpSpPr>
+        <p:cNvPr id="1" name="">
+          <a:extLst>
+            <a:ext uri="{FF2B5EF4-FFF2-40B4-BE49-F238E27FC236}">
+              <a16:creationId xmlns:a16="http://schemas.microsoft.com/office/drawing/2014/main" id="{E3588D5E-C8DA-921C-B012-204934B02932}"/>
+            </a:ext>
+          </a:extLst>
+        </p:cNvPr>
+        <p:cNvGrpSpPr/>
+        <p:nvPr/>
+      </p:nvGrpSpPr>
+      <p:grpSpPr>
+        <a:xfrm>
+          <a:off x="0" y="0"/>
+          <a:ext cx="0" cy="0"/>
+          <a:chOff x="0" y="0"/>
+          <a:chExt cx="0" cy="0"/>
+        </a:xfrm>
+      </p:grpSpPr>
+      <p:pic>
+        <p:nvPicPr>
+          <p:cNvPr id="6" name="Picture 5">
+            <a:extLst>
+              <a:ext uri="{FF2B5EF4-FFF2-40B4-BE49-F238E27FC236}">
+                <a16:creationId xmlns:a16="http://schemas.microsoft.com/office/drawing/2014/main" id="{AA32672B-7E38-0F36-371C-7C4D74D9C75F}"/>
+              </a:ext>
+            </a:extLst>
+          </p:cNvPr>
+          <p:cNvPicPr>
+            <a:picLocks noChangeAspect="1"/>
+          </p:cNvPicPr>
+          <p:nvPr/>
+        </p:nvPicPr>
+        <p:blipFill>
+          <a:blip r:embed="rId2"/>
+          <a:stretch>
+            <a:fillRect/>
+          </a:stretch>
+        </p:blipFill>
+        <p:spPr>
+          <a:xfrm>
+            <a:off x="755819" y="914406"/>
+            <a:ext cx="10680361" cy="2039937"/>
+          </a:xfrm>
+          <a:prstGeom prst="rect">
+            <a:avLst/>
+          </a:prstGeom>
+        </p:spPr>
+      </p:pic>
+      <p:sp>
+        <p:nvSpPr>
+          <p:cNvPr id="8" name="TextBox 7">
+            <a:extLst>
+              <a:ext uri="{FF2B5EF4-FFF2-40B4-BE49-F238E27FC236}">
+                <a16:creationId xmlns:a16="http://schemas.microsoft.com/office/drawing/2014/main" id="{37CD4CE5-7414-B500-9FFA-103A00A474B5}"/>
+              </a:ext>
+            </a:extLst>
+          </p:cNvPr>
+          <p:cNvSpPr txBox="1"/>
+          <p:nvPr/>
+        </p:nvSpPr>
+        <p:spPr>
+          <a:xfrm>
+            <a:off x="6095999" y="2954343"/>
+            <a:ext cx="5313506" cy="523220"/>
+          </a:xfrm>
+          <a:prstGeom prst="rect">
+            <a:avLst/>
+          </a:prstGeom>
+          <a:noFill/>
+        </p:spPr>
+        <p:txBody>
+          <a:bodyPr wrap="none">
+            <a:spAutoFit/>
+          </a:bodyPr>
+          <a:lstStyle/>
+          <a:p>
+            <a:r>
+              <a:rPr lang="en-US" sz="2800" dirty="0"/>
+              <a:t>Sabine </a:t>
+            </a:r>
+            <a:r>
+              <a:rPr lang="en-US" sz="2800" dirty="0" err="1"/>
+              <a:t>Hossenfelder</a:t>
+            </a:r>
+            <a:r>
+              <a:rPr lang="en-US" sz="2800" dirty="0"/>
+              <a:t> – Lost in Math</a:t>
+            </a:r>
+          </a:p>
+        </p:txBody>
+      </p:sp>
+    </p:spTree>
+    <p:extLst>
+      <p:ext uri="{BB962C8B-B14F-4D97-AF65-F5344CB8AC3E}">
+        <p14:creationId xmlns:p14="http://schemas.microsoft.com/office/powerpoint/2010/main" val="3178005472"/>
+      </p:ext>
+    </p:extLst>
+  </p:cSld>
+  <p:clrMapOvr>
+    <a:masterClrMapping/>
+  </p:clrMapOvr>
+</p:sld>
+</file>
+
+<file path=ppt/slides/slide30.xml><?xml version="1.0" encoding="utf-8"?>
 <p:sld xmlns:a="http://schemas.openxmlformats.org/drawingml/2006/main" xmlns:r="http://schemas.openxmlformats.org/officeDocument/2006/relationships" xmlns:p="http://schemas.openxmlformats.org/presentationml/2006/main">
   <p:cSld>
     <p:spTree>
@@ -31865,116 +32128,7 @@
 </p:sld>
 </file>
 
-<file path=ppt/slides/slide3.xml><?xml version="1.0" encoding="utf-8"?>
-<p:sld xmlns:a="http://schemas.openxmlformats.org/drawingml/2006/main" xmlns:r="http://schemas.openxmlformats.org/officeDocument/2006/relationships" xmlns:p="http://schemas.openxmlformats.org/presentationml/2006/main">
-  <p:cSld>
-    <p:spTree>
-      <p:nvGrpSpPr>
-        <p:cNvPr id="1" name="">
-          <a:extLst>
-            <a:ext uri="{FF2B5EF4-FFF2-40B4-BE49-F238E27FC236}">
-              <a16:creationId xmlns:a16="http://schemas.microsoft.com/office/drawing/2014/main" id="{E3588D5E-C8DA-921C-B012-204934B02932}"/>
-            </a:ext>
-          </a:extLst>
-        </p:cNvPr>
-        <p:cNvGrpSpPr/>
-        <p:nvPr/>
-      </p:nvGrpSpPr>
-      <p:grpSpPr>
-        <a:xfrm>
-          <a:off x="0" y="0"/>
-          <a:ext cx="0" cy="0"/>
-          <a:chOff x="0" y="0"/>
-          <a:chExt cx="0" cy="0"/>
-        </a:xfrm>
-      </p:grpSpPr>
-      <p:pic>
-        <p:nvPicPr>
-          <p:cNvPr id="6" name="Picture 5">
-            <a:extLst>
-              <a:ext uri="{FF2B5EF4-FFF2-40B4-BE49-F238E27FC236}">
-                <a16:creationId xmlns:a16="http://schemas.microsoft.com/office/drawing/2014/main" id="{AA32672B-7E38-0F36-371C-7C4D74D9C75F}"/>
-              </a:ext>
-            </a:extLst>
-          </p:cNvPr>
-          <p:cNvPicPr>
-            <a:picLocks noChangeAspect="1"/>
-          </p:cNvPicPr>
-          <p:nvPr/>
-        </p:nvPicPr>
-        <p:blipFill>
-          <a:blip r:embed="rId2"/>
-          <a:stretch>
-            <a:fillRect/>
-          </a:stretch>
-        </p:blipFill>
-        <p:spPr>
-          <a:xfrm>
-            <a:off x="755819" y="914406"/>
-            <a:ext cx="10680361" cy="2039937"/>
-          </a:xfrm>
-          <a:prstGeom prst="rect">
-            <a:avLst/>
-          </a:prstGeom>
-        </p:spPr>
-      </p:pic>
-      <p:sp>
-        <p:nvSpPr>
-          <p:cNvPr id="8" name="TextBox 7">
-            <a:extLst>
-              <a:ext uri="{FF2B5EF4-FFF2-40B4-BE49-F238E27FC236}">
-                <a16:creationId xmlns:a16="http://schemas.microsoft.com/office/drawing/2014/main" id="{37CD4CE5-7414-B500-9FFA-103A00A474B5}"/>
-              </a:ext>
-            </a:extLst>
-          </p:cNvPr>
-          <p:cNvSpPr txBox="1"/>
-          <p:nvPr/>
-        </p:nvSpPr>
-        <p:spPr>
-          <a:xfrm>
-            <a:off x="6095999" y="2954343"/>
-            <a:ext cx="5313506" cy="523220"/>
-          </a:xfrm>
-          <a:prstGeom prst="rect">
-            <a:avLst/>
-          </a:prstGeom>
-          <a:noFill/>
-        </p:spPr>
-        <p:txBody>
-          <a:bodyPr wrap="none">
-            <a:spAutoFit/>
-          </a:bodyPr>
-          <a:lstStyle/>
-          <a:p>
-            <a:r>
-              <a:rPr lang="en-US" sz="2800" dirty="0"/>
-              <a:t>Sabine </a:t>
-            </a:r>
-            <a:r>
-              <a:rPr lang="en-US" sz="2800" dirty="0" err="1"/>
-              <a:t>Hossenfelder</a:t>
-            </a:r>
-            <a:r>
-              <a:rPr lang="en-US" sz="2800" dirty="0"/>
-              <a:t> – Lost in Math</a:t>
-            </a:r>
-          </a:p>
-        </p:txBody>
-      </p:sp>
-    </p:spTree>
-    <p:extLst>
-      <p:ext uri="{BB962C8B-B14F-4D97-AF65-F5344CB8AC3E}">
-        <p14:creationId xmlns:p14="http://schemas.microsoft.com/office/powerpoint/2010/main" val="3178005472"/>
-      </p:ext>
-    </p:extLst>
-  </p:cSld>
-  <p:clrMapOvr>
-    <a:masterClrMapping/>
-  </p:clrMapOvr>
-</p:sld>
-</file>
-
-<file path=ppt/slides/slide30.xml><?xml version="1.0" encoding="utf-8"?>
+<file path=ppt/slides/slide31.xml><?xml version="1.0" encoding="utf-8"?>
 <p:sld xmlns:a="http://schemas.openxmlformats.org/drawingml/2006/main" xmlns:r="http://schemas.openxmlformats.org/officeDocument/2006/relationships" xmlns:p="http://schemas.openxmlformats.org/presentationml/2006/main">
   <p:cSld>
     <p:spTree>
@@ -32494,7 +32648,7 @@
 </p:sld>
 </file>
 
-<file path=ppt/slides/slide31.xml><?xml version="1.0" encoding="utf-8"?>
+<file path=ppt/slides/slide32.xml><?xml version="1.0" encoding="utf-8"?>
 <p:sld xmlns:a="http://schemas.openxmlformats.org/drawingml/2006/main" xmlns:r="http://schemas.openxmlformats.org/officeDocument/2006/relationships" xmlns:p="http://schemas.openxmlformats.org/presentationml/2006/main">
   <p:cSld>
     <p:spTree>
@@ -33850,8 +34004,8 @@
           </a:p>
         </p:txBody>
       </p:sp>
-      <mc:AlternateContent xmlns:mc="http://schemas.openxmlformats.org/markup-compatibility/2006">
-        <mc:Choice xmlns:a14="http://schemas.microsoft.com/office/drawing/2010/main" Requires="a14">
+      <mc:AlternateContent xmlns:mc="http://schemas.openxmlformats.org/markup-compatibility/2006" xmlns:a14="http://schemas.microsoft.com/office/drawing/2010/main">
+        <mc:Choice Requires="a14">
           <p:graphicFrame>
             <p:nvGraphicFramePr>
               <p:cNvPr id="52" name="Table 52">
@@ -34191,7 +34345,7 @@
             </a:graphic>
           </p:graphicFrame>
         </mc:Choice>
-        <mc:Fallback>
+        <mc:Fallback xmlns="">
           <p:graphicFrame>
             <p:nvGraphicFramePr>
               <p:cNvPr id="52" name="Table 52">
@@ -34626,7 +34780,7 @@
 </p:sld>
 </file>
 
-<file path=ppt/slides/slide32.xml><?xml version="1.0" encoding="utf-8"?>
+<file path=ppt/slides/slide33.xml><?xml version="1.0" encoding="utf-8"?>
 <p:sld xmlns:a="http://schemas.openxmlformats.org/drawingml/2006/main" xmlns:r="http://schemas.openxmlformats.org/officeDocument/2006/relationships" xmlns:p="http://schemas.openxmlformats.org/presentationml/2006/main">
   <p:cSld>
     <p:spTree>
@@ -34851,7 +35005,7 @@
 </p:sld>
 </file>
 
-<file path=ppt/slides/slide33.xml><?xml version="1.0" encoding="utf-8"?>
+<file path=ppt/slides/slide34.xml><?xml version="1.0" encoding="utf-8"?>
 <p:sld xmlns:a="http://schemas.openxmlformats.org/drawingml/2006/main" xmlns:r="http://schemas.openxmlformats.org/officeDocument/2006/relationships" xmlns:p="http://schemas.openxmlformats.org/presentationml/2006/main">
   <p:cSld>
     <p:spTree>
@@ -36070,7 +36224,7 @@
 </p:sld>
 </file>
 
-<file path=ppt/slides/slide34.xml><?xml version="1.0" encoding="utf-8"?>
+<file path=ppt/slides/slide35.xml><?xml version="1.0" encoding="utf-8"?>
 <p:sld xmlns:a="http://schemas.openxmlformats.org/drawingml/2006/main" xmlns:r="http://schemas.openxmlformats.org/officeDocument/2006/relationships" xmlns:p="http://schemas.openxmlformats.org/presentationml/2006/main">
   <p:cSld>
     <p:spTree>
@@ -36900,8 +37054,8 @@
           </p:txBody>
         </p:sp>
       </p:grpSp>
-      <mc:AlternateContent xmlns:mc="http://schemas.openxmlformats.org/markup-compatibility/2006">
-        <mc:Choice xmlns:a14="http://schemas.microsoft.com/office/drawing/2010/main" Requires="a14">
+      <mc:AlternateContent xmlns:mc="http://schemas.openxmlformats.org/markup-compatibility/2006" xmlns:a14="http://schemas.microsoft.com/office/drawing/2010/main">
+        <mc:Choice Requires="a14">
           <p:graphicFrame>
             <p:nvGraphicFramePr>
               <p:cNvPr id="104" name="Table 52">
@@ -37394,7 +37548,7 @@
             </a:graphic>
           </p:graphicFrame>
         </mc:Choice>
-        <mc:Fallback>
+        <mc:Fallback xmlns="">
           <p:graphicFrame>
             <p:nvGraphicFramePr>
               <p:cNvPr id="104" name="Table 52">
@@ -39650,7 +39804,7 @@
 </p:sld>
 </file>
 
-<file path=ppt/slides/slide35.xml><?xml version="1.0" encoding="utf-8"?>
+<file path=ppt/slides/slide36.xml><?xml version="1.0" encoding="utf-8"?>
 <p:sld xmlns:a="http://schemas.openxmlformats.org/drawingml/2006/main" xmlns:r="http://schemas.openxmlformats.org/officeDocument/2006/relationships" xmlns:p="http://schemas.openxmlformats.org/presentationml/2006/main">
   <p:cSld>
     <p:spTree>
@@ -42053,7 +42207,7 @@
 </p:sld>
 </file>
 
-<file path=ppt/slides/slide36.xml><?xml version="1.0" encoding="utf-8"?>
+<file path=ppt/slides/slide37.xml><?xml version="1.0" encoding="utf-8"?>
 <p:sld xmlns:a="http://schemas.openxmlformats.org/drawingml/2006/main" xmlns:r="http://schemas.openxmlformats.org/officeDocument/2006/relationships" xmlns:p="http://schemas.openxmlformats.org/presentationml/2006/main">
   <p:cSld>
     <p:spTree>
@@ -42681,7 +42835,7 @@
 </p:sld>
 </file>
 
-<file path=ppt/slides/slide37.xml><?xml version="1.0" encoding="utf-8"?>
+<file path=ppt/slides/slide38.xml><?xml version="1.0" encoding="utf-8"?>
 <p:sld xmlns:a="http://schemas.openxmlformats.org/drawingml/2006/main" xmlns:r="http://schemas.openxmlformats.org/officeDocument/2006/relationships" xmlns:p="http://schemas.openxmlformats.org/presentationml/2006/main">
   <p:cSld>
     <p:spTree>
@@ -43384,7 +43538,7 @@
 </p:sld>
 </file>
 
-<file path=ppt/slides/slide38.xml><?xml version="1.0" encoding="utf-8"?>
+<file path=ppt/slides/slide39.xml><?xml version="1.0" encoding="utf-8"?>
 <p:sld xmlns:a="http://schemas.openxmlformats.org/drawingml/2006/main" xmlns:r="http://schemas.openxmlformats.org/officeDocument/2006/relationships" xmlns:p="http://schemas.openxmlformats.org/presentationml/2006/main">
   <p:cSld>
     <p:spTree>
@@ -46152,7 +46306,85 @@
 </p:sld>
 </file>
 
-<file path=ppt/slides/slide39.xml><?xml version="1.0" encoding="utf-8"?>
+<file path=ppt/slides/slide4.xml><?xml version="1.0" encoding="utf-8"?>
+<p:sld xmlns:a="http://schemas.openxmlformats.org/drawingml/2006/main" xmlns:r="http://schemas.openxmlformats.org/officeDocument/2006/relationships" xmlns:p="http://schemas.openxmlformats.org/presentationml/2006/main">
+  <p:cSld>
+    <p:spTree>
+      <p:nvGrpSpPr>
+        <p:cNvPr id="1" name="">
+          <a:extLst>
+            <a:ext uri="{FF2B5EF4-FFF2-40B4-BE49-F238E27FC236}">
+              <a16:creationId xmlns:a16="http://schemas.microsoft.com/office/drawing/2014/main" id="{17362691-6081-A670-7F1E-9F90AAC472EC}"/>
+            </a:ext>
+          </a:extLst>
+        </p:cNvPr>
+        <p:cNvGrpSpPr/>
+        <p:nvPr/>
+      </p:nvGrpSpPr>
+      <p:grpSpPr>
+        <a:xfrm>
+          <a:off x="0" y="0"/>
+          <a:ext cx="0" cy="0"/>
+          <a:chOff x="0" y="0"/>
+          <a:chExt cx="0" cy="0"/>
+        </a:xfrm>
+      </p:grpSpPr>
+      <p:sp>
+        <p:nvSpPr>
+          <p:cNvPr id="4" name="TextBox 3">
+            <a:extLst>
+              <a:ext uri="{FF2B5EF4-FFF2-40B4-BE49-F238E27FC236}">
+                <a16:creationId xmlns:a16="http://schemas.microsoft.com/office/drawing/2014/main" id="{F4FF5CBB-07FE-FD3F-BAFC-CEA1E6CBB770}"/>
+              </a:ext>
+            </a:extLst>
+          </p:cNvPr>
+          <p:cNvSpPr txBox="1"/>
+          <p:nvPr/>
+        </p:nvSpPr>
+        <p:spPr>
+          <a:xfrm>
+            <a:off x="487279" y="1422674"/>
+            <a:ext cx="11217442" cy="3046988"/>
+          </a:xfrm>
+          <a:prstGeom prst="rect">
+            <a:avLst/>
+          </a:prstGeom>
+          <a:noFill/>
+        </p:spPr>
+        <p:txBody>
+          <a:bodyPr wrap="square" rtlCol="0">
+            <a:spAutoFit/>
+          </a:bodyPr>
+          <a:lstStyle/>
+          <a:p>
+            <a:pPr algn="ctr"/>
+            <a:r>
+              <a:rPr lang="en-US" sz="4800" dirty="0">
+                <a:solidFill>
+                  <a:schemeClr val="accent6">
+                    <a:lumMod val="75000"/>
+                  </a:schemeClr>
+                </a:solidFill>
+              </a:rPr>
+              <a:t>We use mathematics to specify our models, not just do calculations, and specifying physical models is the whole point of physics</a:t>
+            </a:r>
+          </a:p>
+        </p:txBody>
+      </p:sp>
+    </p:spTree>
+    <p:extLst>
+      <p:ext uri="{BB962C8B-B14F-4D97-AF65-F5344CB8AC3E}">
+        <p14:creationId xmlns:p14="http://schemas.microsoft.com/office/powerpoint/2010/main" val="144727538"/>
+      </p:ext>
+    </p:extLst>
+  </p:cSld>
+  <p:clrMapOvr>
+    <a:masterClrMapping/>
+  </p:clrMapOvr>
+</p:sld>
+</file>
+
+<file path=ppt/slides/slide40.xml><?xml version="1.0" encoding="utf-8"?>
 <p:sld xmlns:a="http://schemas.openxmlformats.org/drawingml/2006/main" xmlns:r="http://schemas.openxmlformats.org/officeDocument/2006/relationships" xmlns:p="http://schemas.openxmlformats.org/presentationml/2006/main">
   <p:cSld>
     <p:spTree>
@@ -46383,85 +46615,7 @@
 </p:sld>
 </file>
 
-<file path=ppt/slides/slide4.xml><?xml version="1.0" encoding="utf-8"?>
-<p:sld xmlns:a="http://schemas.openxmlformats.org/drawingml/2006/main" xmlns:r="http://schemas.openxmlformats.org/officeDocument/2006/relationships" xmlns:p="http://schemas.openxmlformats.org/presentationml/2006/main">
-  <p:cSld>
-    <p:spTree>
-      <p:nvGrpSpPr>
-        <p:cNvPr id="1" name="">
-          <a:extLst>
-            <a:ext uri="{FF2B5EF4-FFF2-40B4-BE49-F238E27FC236}">
-              <a16:creationId xmlns:a16="http://schemas.microsoft.com/office/drawing/2014/main" id="{17362691-6081-A670-7F1E-9F90AAC472EC}"/>
-            </a:ext>
-          </a:extLst>
-        </p:cNvPr>
-        <p:cNvGrpSpPr/>
-        <p:nvPr/>
-      </p:nvGrpSpPr>
-      <p:grpSpPr>
-        <a:xfrm>
-          <a:off x="0" y="0"/>
-          <a:ext cx="0" cy="0"/>
-          <a:chOff x="0" y="0"/>
-          <a:chExt cx="0" cy="0"/>
-        </a:xfrm>
-      </p:grpSpPr>
-      <p:sp>
-        <p:nvSpPr>
-          <p:cNvPr id="4" name="TextBox 3">
-            <a:extLst>
-              <a:ext uri="{FF2B5EF4-FFF2-40B4-BE49-F238E27FC236}">
-                <a16:creationId xmlns:a16="http://schemas.microsoft.com/office/drawing/2014/main" id="{F4FF5CBB-07FE-FD3F-BAFC-CEA1E6CBB770}"/>
-              </a:ext>
-            </a:extLst>
-          </p:cNvPr>
-          <p:cNvSpPr txBox="1"/>
-          <p:nvPr/>
-        </p:nvSpPr>
-        <p:spPr>
-          <a:xfrm>
-            <a:off x="487279" y="1422674"/>
-            <a:ext cx="11217442" cy="3046988"/>
-          </a:xfrm>
-          <a:prstGeom prst="rect">
-            <a:avLst/>
-          </a:prstGeom>
-          <a:noFill/>
-        </p:spPr>
-        <p:txBody>
-          <a:bodyPr wrap="square" rtlCol="0">
-            <a:spAutoFit/>
-          </a:bodyPr>
-          <a:lstStyle/>
-          <a:p>
-            <a:pPr algn="ctr"/>
-            <a:r>
-              <a:rPr lang="en-US" sz="4800" dirty="0">
-                <a:solidFill>
-                  <a:schemeClr val="accent6">
-                    <a:lumMod val="75000"/>
-                  </a:schemeClr>
-                </a:solidFill>
-              </a:rPr>
-              <a:t>We use mathematics to specify our models, not just do calculations, and specifying physical models is the whole point of physics</a:t>
-            </a:r>
-          </a:p>
-        </p:txBody>
-      </p:sp>
-    </p:spTree>
-    <p:extLst>
-      <p:ext uri="{BB962C8B-B14F-4D97-AF65-F5344CB8AC3E}">
-        <p14:creationId xmlns:p14="http://schemas.microsoft.com/office/powerpoint/2010/main" val="144727538"/>
-      </p:ext>
-    </p:extLst>
-  </p:cSld>
-  <p:clrMapOvr>
-    <a:masterClrMapping/>
-  </p:clrMapOvr>
-</p:sld>
-</file>
-
-<file path=ppt/slides/slide40.xml><?xml version="1.0" encoding="utf-8"?>
+<file path=ppt/slides/slide41.xml><?xml version="1.0" encoding="utf-8"?>
 <p:sld xmlns:a="http://schemas.openxmlformats.org/drawingml/2006/main" xmlns:r="http://schemas.openxmlformats.org/officeDocument/2006/relationships" xmlns:p="http://schemas.openxmlformats.org/presentationml/2006/main">
   <p:cSld>
     <p:spTree>
